--- a/designDoc/springbootebook_design.pptx
+++ b/designDoc/springbootebook_design.pptx
@@ -248,7 +248,7 @@
           <a:p>
             <a:fld id="{846CE7D5-CF57-46EF-B807-FDD0502418D4}" type="datetimeFigureOut">
               <a:rPr lang="en-US" smtClean="0"/>
-              <a:t>9/10/20</a:t>
+              <a:t>9/17/20</a:t>
             </a:fld>
             <a:endParaRPr lang="en-US"/>
           </a:p>
@@ -418,7 +418,7 @@
           <a:p>
             <a:fld id="{846CE7D5-CF57-46EF-B807-FDD0502418D4}" type="datetimeFigureOut">
               <a:rPr lang="en-US" smtClean="0"/>
-              <a:t>9/10/20</a:t>
+              <a:t>9/17/20</a:t>
             </a:fld>
             <a:endParaRPr lang="en-US"/>
           </a:p>
@@ -598,7 +598,7 @@
           <a:p>
             <a:fld id="{846CE7D5-CF57-46EF-B807-FDD0502418D4}" type="datetimeFigureOut">
               <a:rPr lang="en-US" smtClean="0"/>
-              <a:t>9/10/20</a:t>
+              <a:t>9/17/20</a:t>
             </a:fld>
             <a:endParaRPr lang="en-US"/>
           </a:p>
@@ -768,7 +768,7 @@
           <a:p>
             <a:fld id="{846CE7D5-CF57-46EF-B807-FDD0502418D4}" type="datetimeFigureOut">
               <a:rPr lang="en-US" smtClean="0"/>
-              <a:t>9/10/20</a:t>
+              <a:t>9/17/20</a:t>
             </a:fld>
             <a:endParaRPr lang="en-US"/>
           </a:p>
@@ -1014,7 +1014,7 @@
           <a:p>
             <a:fld id="{846CE7D5-CF57-46EF-B807-FDD0502418D4}" type="datetimeFigureOut">
               <a:rPr lang="en-US" smtClean="0"/>
-              <a:t>9/10/20</a:t>
+              <a:t>9/17/20</a:t>
             </a:fld>
             <a:endParaRPr lang="en-US"/>
           </a:p>
@@ -1246,7 +1246,7 @@
           <a:p>
             <a:fld id="{846CE7D5-CF57-46EF-B807-FDD0502418D4}" type="datetimeFigureOut">
               <a:rPr lang="en-US" smtClean="0"/>
-              <a:t>9/10/20</a:t>
+              <a:t>9/17/20</a:t>
             </a:fld>
             <a:endParaRPr lang="en-US"/>
           </a:p>
@@ -1613,7 +1613,7 @@
           <a:p>
             <a:fld id="{846CE7D5-CF57-46EF-B807-FDD0502418D4}" type="datetimeFigureOut">
               <a:rPr lang="en-US" smtClean="0"/>
-              <a:t>9/10/20</a:t>
+              <a:t>9/17/20</a:t>
             </a:fld>
             <a:endParaRPr lang="en-US"/>
           </a:p>
@@ -1731,7 +1731,7 @@
           <a:p>
             <a:fld id="{846CE7D5-CF57-46EF-B807-FDD0502418D4}" type="datetimeFigureOut">
               <a:rPr lang="en-US" smtClean="0"/>
-              <a:t>9/10/20</a:t>
+              <a:t>9/17/20</a:t>
             </a:fld>
             <a:endParaRPr lang="en-US"/>
           </a:p>
@@ -1826,7 +1826,7 @@
           <a:p>
             <a:fld id="{846CE7D5-CF57-46EF-B807-FDD0502418D4}" type="datetimeFigureOut">
               <a:rPr lang="en-US" smtClean="0"/>
-              <a:t>9/10/20</a:t>
+              <a:t>9/17/20</a:t>
             </a:fld>
             <a:endParaRPr lang="en-US"/>
           </a:p>
@@ -2103,7 +2103,7 @@
           <a:p>
             <a:fld id="{846CE7D5-CF57-46EF-B807-FDD0502418D4}" type="datetimeFigureOut">
               <a:rPr lang="en-US" smtClean="0"/>
-              <a:t>9/10/20</a:t>
+              <a:t>9/17/20</a:t>
             </a:fld>
             <a:endParaRPr lang="en-US"/>
           </a:p>
@@ -2360,7 +2360,7 @@
           <a:p>
             <a:fld id="{846CE7D5-CF57-46EF-B807-FDD0502418D4}" type="datetimeFigureOut">
               <a:rPr lang="en-US" smtClean="0"/>
-              <a:t>9/10/20</a:t>
+              <a:t>9/17/20</a:t>
             </a:fld>
             <a:endParaRPr lang="en-US"/>
           </a:p>
@@ -2572,7 +2572,7 @@
           <a:p>
             <a:fld id="{846CE7D5-CF57-46EF-B807-FDD0502418D4}" type="datetimeFigureOut">
               <a:rPr lang="en-US" smtClean="0"/>
-              <a:t>9/10/20</a:t>
+              <a:t>9/17/20</a:t>
             </a:fld>
             <a:endParaRPr lang="en-US"/>
           </a:p>
@@ -3456,7 +3456,7 @@
         </p:nvSpPr>
         <p:spPr>
           <a:xfrm>
-            <a:off x="1244336" y="3708024"/>
+            <a:off x="2419489" y="2652221"/>
             <a:ext cx="1027521" cy="707011"/>
           </a:xfrm>
           <a:prstGeom prst="rect">
@@ -3486,7 +3486,7 @@
             <a:pPr algn="ctr"/>
             <a:r>
               <a:rPr lang="en-US" dirty="0"/>
-              <a:t>checkout</a:t>
+              <a:t>Order</a:t>
             </a:r>
           </a:p>
         </p:txBody>
@@ -3505,7 +3505,7 @@
         </p:nvSpPr>
         <p:spPr>
           <a:xfrm>
-            <a:off x="1253763" y="4726119"/>
+            <a:off x="1225481" y="3700020"/>
             <a:ext cx="1027521" cy="707011"/>
           </a:xfrm>
           <a:prstGeom prst="rect">
@@ -3554,8 +3554,8 @@
         </p:nvSpPr>
         <p:spPr>
           <a:xfrm>
-            <a:off x="5118752" y="1709542"/>
-            <a:ext cx="1027521" cy="707011"/>
+            <a:off x="5100393" y="1846681"/>
+            <a:ext cx="1253768" cy="486901"/>
           </a:xfrm>
           <a:prstGeom prst="rect">
             <a:avLst/>
@@ -3583,155 +3583,8 @@
           <a:p>
             <a:pPr algn="ctr"/>
             <a:r>
-              <a:rPr lang="en-US" dirty="0"/>
-              <a:t>Manage order</a:t>
-            </a:r>
-          </a:p>
-        </p:txBody>
-      </p:sp>
-      <p:sp>
-        <p:nvSpPr>
-          <p:cNvPr id="12" name="Rectangle 11">
-            <a:extLst>
-              <a:ext uri="{FF2B5EF4-FFF2-40B4-BE49-F238E27FC236}">
-                <a16:creationId xmlns:a16="http://schemas.microsoft.com/office/drawing/2014/main" id="{E7A3B482-C02F-3645-9779-95BB4614EC64}"/>
-              </a:ext>
-            </a:extLst>
-          </p:cNvPr>
-          <p:cNvSpPr/>
-          <p:nvPr/>
-        </p:nvSpPr>
-        <p:spPr>
-          <a:xfrm>
-            <a:off x="5118752" y="2699357"/>
-            <a:ext cx="1027521" cy="707011"/>
-          </a:xfrm>
-          <a:prstGeom prst="rect">
-            <a:avLst/>
-          </a:prstGeom>
-        </p:spPr>
-        <p:style>
-          <a:lnRef idx="2">
-            <a:schemeClr val="accent1">
-              <a:shade val="50000"/>
-            </a:schemeClr>
-          </a:lnRef>
-          <a:fillRef idx="1">
-            <a:schemeClr val="accent1"/>
-          </a:fillRef>
-          <a:effectRef idx="0">
-            <a:schemeClr val="accent1"/>
-          </a:effectRef>
-          <a:fontRef idx="minor">
-            <a:schemeClr val="lt1"/>
-          </a:fontRef>
-        </p:style>
-        <p:txBody>
-          <a:bodyPr rtlCol="0" anchor="ctr"/>
-          <a:lstStyle/>
-          <a:p>
-            <a:pPr algn="ctr"/>
-            <a:r>
-              <a:rPr lang="en-US" dirty="0"/>
-              <a:t>Load products</a:t>
-            </a:r>
-          </a:p>
-        </p:txBody>
-      </p:sp>
-      <p:sp>
-        <p:nvSpPr>
-          <p:cNvPr id="13" name="Rectangle 12">
-            <a:extLst>
-              <a:ext uri="{FF2B5EF4-FFF2-40B4-BE49-F238E27FC236}">
-                <a16:creationId xmlns:a16="http://schemas.microsoft.com/office/drawing/2014/main" id="{B60F2FC6-DC0E-F944-A480-9E595CFA3BD0}"/>
-              </a:ext>
-            </a:extLst>
-          </p:cNvPr>
-          <p:cNvSpPr/>
-          <p:nvPr/>
-        </p:nvSpPr>
-        <p:spPr>
-          <a:xfrm>
-            <a:off x="5137606" y="3670318"/>
-            <a:ext cx="1027521" cy="707011"/>
-          </a:xfrm>
-          <a:prstGeom prst="rect">
-            <a:avLst/>
-          </a:prstGeom>
-        </p:spPr>
-        <p:style>
-          <a:lnRef idx="2">
-            <a:schemeClr val="accent1">
-              <a:shade val="50000"/>
-            </a:schemeClr>
-          </a:lnRef>
-          <a:fillRef idx="1">
-            <a:schemeClr val="accent1"/>
-          </a:fillRef>
-          <a:effectRef idx="0">
-            <a:schemeClr val="accent1"/>
-          </a:effectRef>
-          <a:fontRef idx="minor">
-            <a:schemeClr val="lt1"/>
-          </a:fontRef>
-        </p:style>
-        <p:txBody>
-          <a:bodyPr rtlCol="0" anchor="ctr"/>
-          <a:lstStyle/>
-          <a:p>
-            <a:pPr algn="ctr"/>
-            <a:r>
-              <a:rPr lang="en-US" dirty="0"/>
-              <a:t>Manage account</a:t>
-            </a:r>
-          </a:p>
-        </p:txBody>
-      </p:sp>
-      <p:sp>
-        <p:nvSpPr>
-          <p:cNvPr id="14" name="Rectangle 13">
-            <a:extLst>
-              <a:ext uri="{FF2B5EF4-FFF2-40B4-BE49-F238E27FC236}">
-                <a16:creationId xmlns:a16="http://schemas.microsoft.com/office/drawing/2014/main" id="{FC8BA98E-5A1D-CB4F-A2C2-282D9452954F}"/>
-              </a:ext>
-            </a:extLst>
-          </p:cNvPr>
-          <p:cNvSpPr/>
-          <p:nvPr/>
-        </p:nvSpPr>
-        <p:spPr>
-          <a:xfrm>
-            <a:off x="5147033" y="4678987"/>
-            <a:ext cx="1027521" cy="707011"/>
-          </a:xfrm>
-          <a:prstGeom prst="rect">
-            <a:avLst/>
-          </a:prstGeom>
-        </p:spPr>
-        <p:style>
-          <a:lnRef idx="2">
-            <a:schemeClr val="accent1">
-              <a:shade val="50000"/>
-            </a:schemeClr>
-          </a:lnRef>
-          <a:fillRef idx="1">
-            <a:schemeClr val="accent1"/>
-          </a:fillRef>
-          <a:effectRef idx="0">
-            <a:schemeClr val="accent1"/>
-          </a:effectRef>
-          <a:fontRef idx="minor">
-            <a:schemeClr val="lt1"/>
-          </a:fontRef>
-        </p:style>
-        <p:txBody>
-          <a:bodyPr rtlCol="0" anchor="ctr"/>
-          <a:lstStyle/>
-          <a:p>
-            <a:pPr algn="ctr"/>
-            <a:r>
-              <a:rPr lang="en-US" dirty="0"/>
-              <a:t>?</a:t>
+              <a:rPr lang="en-US" sz="1400" dirty="0"/>
+              <a:t>Order Management</a:t>
             </a:r>
           </a:p>
         </p:txBody>
@@ -3796,6 +3649,202 @@
           </a:prstGeom>
         </p:spPr>
       </p:pic>
+      <p:sp>
+        <p:nvSpPr>
+          <p:cNvPr id="17" name="Rectangle 16">
+            <a:extLst>
+              <a:ext uri="{FF2B5EF4-FFF2-40B4-BE49-F238E27FC236}">
+                <a16:creationId xmlns:a16="http://schemas.microsoft.com/office/drawing/2014/main" id="{D785C3A8-4F59-F04C-9D48-272C47D1C04C}"/>
+              </a:ext>
+            </a:extLst>
+          </p:cNvPr>
+          <p:cNvSpPr/>
+          <p:nvPr/>
+        </p:nvSpPr>
+        <p:spPr>
+          <a:xfrm>
+            <a:off x="2362047" y="1690687"/>
+            <a:ext cx="1027521" cy="707011"/>
+          </a:xfrm>
+          <a:prstGeom prst="rect">
+            <a:avLst/>
+          </a:prstGeom>
+        </p:spPr>
+        <p:style>
+          <a:lnRef idx="2">
+            <a:schemeClr val="accent1">
+              <a:shade val="50000"/>
+            </a:schemeClr>
+          </a:lnRef>
+          <a:fillRef idx="1">
+            <a:schemeClr val="accent1"/>
+          </a:fillRef>
+          <a:effectRef idx="0">
+            <a:schemeClr val="accent1"/>
+          </a:effectRef>
+          <a:fontRef idx="minor">
+            <a:schemeClr val="lt1"/>
+          </a:fontRef>
+        </p:style>
+        <p:txBody>
+          <a:bodyPr rtlCol="0" anchor="ctr"/>
+          <a:lstStyle/>
+          <a:p>
+            <a:pPr algn="ctr"/>
+            <a:r>
+              <a:rPr lang="en-US" dirty="0"/>
+              <a:t>Search products</a:t>
+            </a:r>
+          </a:p>
+        </p:txBody>
+      </p:sp>
+      <p:sp>
+        <p:nvSpPr>
+          <p:cNvPr id="18" name="Rectangle 17">
+            <a:extLst>
+              <a:ext uri="{FF2B5EF4-FFF2-40B4-BE49-F238E27FC236}">
+                <a16:creationId xmlns:a16="http://schemas.microsoft.com/office/drawing/2014/main" id="{F542B756-B04B-2148-9044-24EDCAAD13CD}"/>
+              </a:ext>
+            </a:extLst>
+          </p:cNvPr>
+          <p:cNvSpPr/>
+          <p:nvPr/>
+        </p:nvSpPr>
+        <p:spPr>
+          <a:xfrm>
+            <a:off x="5128179" y="2550719"/>
+            <a:ext cx="1253768" cy="486901"/>
+          </a:xfrm>
+          <a:prstGeom prst="rect">
+            <a:avLst/>
+          </a:prstGeom>
+        </p:spPr>
+        <p:style>
+          <a:lnRef idx="2">
+            <a:schemeClr val="accent1">
+              <a:shade val="50000"/>
+            </a:schemeClr>
+          </a:lnRef>
+          <a:fillRef idx="1">
+            <a:schemeClr val="accent1"/>
+          </a:fillRef>
+          <a:effectRef idx="0">
+            <a:schemeClr val="accent1"/>
+          </a:effectRef>
+          <a:fontRef idx="minor">
+            <a:schemeClr val="lt1"/>
+          </a:fontRef>
+        </p:style>
+        <p:txBody>
+          <a:bodyPr rtlCol="0" anchor="ctr"/>
+          <a:lstStyle/>
+          <a:p>
+            <a:pPr algn="ctr"/>
+            <a:r>
+              <a:rPr lang="en-US" sz="1400" dirty="0"/>
+              <a:t>Product Management</a:t>
+            </a:r>
+          </a:p>
+        </p:txBody>
+      </p:sp>
+      <p:sp>
+        <p:nvSpPr>
+          <p:cNvPr id="19" name="Rectangle 18">
+            <a:extLst>
+              <a:ext uri="{FF2B5EF4-FFF2-40B4-BE49-F238E27FC236}">
+                <a16:creationId xmlns:a16="http://schemas.microsoft.com/office/drawing/2014/main" id="{1E44CF4D-ED5D-2548-980B-6ABE1DF18274}"/>
+              </a:ext>
+            </a:extLst>
+          </p:cNvPr>
+          <p:cNvSpPr/>
+          <p:nvPr/>
+        </p:nvSpPr>
+        <p:spPr>
+          <a:xfrm>
+            <a:off x="5124288" y="3309031"/>
+            <a:ext cx="1253768" cy="486901"/>
+          </a:xfrm>
+          <a:prstGeom prst="rect">
+            <a:avLst/>
+          </a:prstGeom>
+        </p:spPr>
+        <p:style>
+          <a:lnRef idx="2">
+            <a:schemeClr val="accent1">
+              <a:shade val="50000"/>
+            </a:schemeClr>
+          </a:lnRef>
+          <a:fillRef idx="1">
+            <a:schemeClr val="accent1"/>
+          </a:fillRef>
+          <a:effectRef idx="0">
+            <a:schemeClr val="accent1"/>
+          </a:effectRef>
+          <a:fontRef idx="minor">
+            <a:schemeClr val="lt1"/>
+          </a:fontRef>
+        </p:style>
+        <p:txBody>
+          <a:bodyPr rtlCol="0" anchor="ctr"/>
+          <a:lstStyle/>
+          <a:p>
+            <a:pPr algn="ctr"/>
+            <a:r>
+              <a:rPr lang="en-US" sz="1400" dirty="0"/>
+              <a:t>Account Management</a:t>
+            </a:r>
+          </a:p>
+        </p:txBody>
+      </p:sp>
+      <p:sp>
+        <p:nvSpPr>
+          <p:cNvPr id="20" name="Rectangle 19">
+            <a:extLst>
+              <a:ext uri="{FF2B5EF4-FFF2-40B4-BE49-F238E27FC236}">
+                <a16:creationId xmlns:a16="http://schemas.microsoft.com/office/drawing/2014/main" id="{E15460EE-881C-6544-8818-AA1FB3919CA5}"/>
+              </a:ext>
+            </a:extLst>
+          </p:cNvPr>
+          <p:cNvSpPr/>
+          <p:nvPr/>
+        </p:nvSpPr>
+        <p:spPr>
+          <a:xfrm>
+            <a:off x="5124288" y="3999585"/>
+            <a:ext cx="1253768" cy="486901"/>
+          </a:xfrm>
+          <a:prstGeom prst="rect">
+            <a:avLst/>
+          </a:prstGeom>
+        </p:spPr>
+        <p:style>
+          <a:lnRef idx="2">
+            <a:schemeClr val="accent1">
+              <a:shade val="50000"/>
+            </a:schemeClr>
+          </a:lnRef>
+          <a:fillRef idx="1">
+            <a:schemeClr val="accent1"/>
+          </a:fillRef>
+          <a:effectRef idx="0">
+            <a:schemeClr val="accent1"/>
+          </a:effectRef>
+          <a:fontRef idx="minor">
+            <a:schemeClr val="lt1"/>
+          </a:fontRef>
+        </p:style>
+        <p:txBody>
+          <a:bodyPr rtlCol="0" anchor="ctr"/>
+          <a:lstStyle/>
+          <a:p>
+            <a:pPr algn="ctr"/>
+            <a:r>
+              <a:rPr lang="en-US" sz="1400" dirty="0"/>
+              <a:t>Setting Management</a:t>
+            </a:r>
+          </a:p>
+        </p:txBody>
+      </p:sp>
     </p:spTree>
     <p:extLst>
       <p:ext uri="{BB962C8B-B14F-4D97-AF65-F5344CB8AC3E}">

--- a/designDoc/springbootebook_design.pptx
+++ b/designDoc/springbootebook_design.pptx
@@ -11,6 +11,8 @@
     <p:sldId id="259" r:id="rId5"/>
     <p:sldId id="261" r:id="rId6"/>
     <p:sldId id="262" r:id="rId7"/>
+    <p:sldId id="263" r:id="rId8"/>
+    <p:sldId id="264" r:id="rId9"/>
   </p:sldIdLst>
   <p:sldSz cx="12192000" cy="6858000"/>
   <p:notesSz cx="6858000" cy="9144000"/>
@@ -248,7 +250,7 @@
           <a:p>
             <a:fld id="{846CE7D5-CF57-46EF-B807-FDD0502418D4}" type="datetimeFigureOut">
               <a:rPr lang="en-US" smtClean="0"/>
-              <a:t>9/17/20</a:t>
+              <a:t>9/24/20</a:t>
             </a:fld>
             <a:endParaRPr lang="en-US"/>
           </a:p>
@@ -418,7 +420,7 @@
           <a:p>
             <a:fld id="{846CE7D5-CF57-46EF-B807-FDD0502418D4}" type="datetimeFigureOut">
               <a:rPr lang="en-US" smtClean="0"/>
-              <a:t>9/17/20</a:t>
+              <a:t>9/24/20</a:t>
             </a:fld>
             <a:endParaRPr lang="en-US"/>
           </a:p>
@@ -598,7 +600,7 @@
           <a:p>
             <a:fld id="{846CE7D5-CF57-46EF-B807-FDD0502418D4}" type="datetimeFigureOut">
               <a:rPr lang="en-US" smtClean="0"/>
-              <a:t>9/17/20</a:t>
+              <a:t>9/24/20</a:t>
             </a:fld>
             <a:endParaRPr lang="en-US"/>
           </a:p>
@@ -768,7 +770,7 @@
           <a:p>
             <a:fld id="{846CE7D5-CF57-46EF-B807-FDD0502418D4}" type="datetimeFigureOut">
               <a:rPr lang="en-US" smtClean="0"/>
-              <a:t>9/17/20</a:t>
+              <a:t>9/24/20</a:t>
             </a:fld>
             <a:endParaRPr lang="en-US"/>
           </a:p>
@@ -1014,7 +1016,7 @@
           <a:p>
             <a:fld id="{846CE7D5-CF57-46EF-B807-FDD0502418D4}" type="datetimeFigureOut">
               <a:rPr lang="en-US" smtClean="0"/>
-              <a:t>9/17/20</a:t>
+              <a:t>9/24/20</a:t>
             </a:fld>
             <a:endParaRPr lang="en-US"/>
           </a:p>
@@ -1246,7 +1248,7 @@
           <a:p>
             <a:fld id="{846CE7D5-CF57-46EF-B807-FDD0502418D4}" type="datetimeFigureOut">
               <a:rPr lang="en-US" smtClean="0"/>
-              <a:t>9/17/20</a:t>
+              <a:t>9/24/20</a:t>
             </a:fld>
             <a:endParaRPr lang="en-US"/>
           </a:p>
@@ -1613,7 +1615,7 @@
           <a:p>
             <a:fld id="{846CE7D5-CF57-46EF-B807-FDD0502418D4}" type="datetimeFigureOut">
               <a:rPr lang="en-US" smtClean="0"/>
-              <a:t>9/17/20</a:t>
+              <a:t>9/24/20</a:t>
             </a:fld>
             <a:endParaRPr lang="en-US"/>
           </a:p>
@@ -1731,7 +1733,7 @@
           <a:p>
             <a:fld id="{846CE7D5-CF57-46EF-B807-FDD0502418D4}" type="datetimeFigureOut">
               <a:rPr lang="en-US" smtClean="0"/>
-              <a:t>9/17/20</a:t>
+              <a:t>9/24/20</a:t>
             </a:fld>
             <a:endParaRPr lang="en-US"/>
           </a:p>
@@ -1826,7 +1828,7 @@
           <a:p>
             <a:fld id="{846CE7D5-CF57-46EF-B807-FDD0502418D4}" type="datetimeFigureOut">
               <a:rPr lang="en-US" smtClean="0"/>
-              <a:t>9/17/20</a:t>
+              <a:t>9/24/20</a:t>
             </a:fld>
             <a:endParaRPr lang="en-US"/>
           </a:p>
@@ -2103,7 +2105,7 @@
           <a:p>
             <a:fld id="{846CE7D5-CF57-46EF-B807-FDD0502418D4}" type="datetimeFigureOut">
               <a:rPr lang="en-US" smtClean="0"/>
-              <a:t>9/17/20</a:t>
+              <a:t>9/24/20</a:t>
             </a:fld>
             <a:endParaRPr lang="en-US"/>
           </a:p>
@@ -2360,7 +2362,7 @@
           <a:p>
             <a:fld id="{846CE7D5-CF57-46EF-B807-FDD0502418D4}" type="datetimeFigureOut">
               <a:rPr lang="en-US" smtClean="0"/>
-              <a:t>9/17/20</a:t>
+              <a:t>9/24/20</a:t>
             </a:fld>
             <a:endParaRPr lang="en-US"/>
           </a:p>
@@ -2572,7 +2574,7 @@
           <a:p>
             <a:fld id="{846CE7D5-CF57-46EF-B807-FDD0502418D4}" type="datetimeFigureOut">
               <a:rPr lang="en-US" smtClean="0"/>
-              <a:t>9/17/20</a:t>
+              <a:t>9/24/20</a:t>
             </a:fld>
             <a:endParaRPr lang="en-US"/>
           </a:p>
@@ -4271,6 +4273,161 @@
 </p:sld>
 </file>
 
+<file path=ppt/slides/slide7.xml><?xml version="1.0" encoding="utf-8"?>
+<p:sld xmlns:a="http://schemas.openxmlformats.org/drawingml/2006/main" xmlns:r="http://schemas.openxmlformats.org/officeDocument/2006/relationships" xmlns:p="http://schemas.openxmlformats.org/presentationml/2006/main">
+  <p:cSld>
+    <p:spTree>
+      <p:nvGrpSpPr>
+        <p:cNvPr id="1" name=""/>
+        <p:cNvGrpSpPr/>
+        <p:nvPr/>
+      </p:nvGrpSpPr>
+      <p:grpSpPr>
+        <a:xfrm>
+          <a:off x="0" y="0"/>
+          <a:ext cx="0" cy="0"/>
+          <a:chOff x="0" y="0"/>
+          <a:chExt cx="0" cy="0"/>
+        </a:xfrm>
+      </p:grpSpPr>
+      <p:pic>
+        <p:nvPicPr>
+          <p:cNvPr id="4" name="Picture 3">
+            <a:extLst>
+              <a:ext uri="{FF2B5EF4-FFF2-40B4-BE49-F238E27FC236}">
+                <a16:creationId xmlns:a16="http://schemas.microsoft.com/office/drawing/2014/main" id="{7877BBDA-FD7D-0949-AFF6-51CF74F51456}"/>
+              </a:ext>
+            </a:extLst>
+          </p:cNvPr>
+          <p:cNvPicPr>
+            <a:picLocks noChangeAspect="1"/>
+          </p:cNvPicPr>
+          <p:nvPr/>
+        </p:nvPicPr>
+        <p:blipFill>
+          <a:blip r:embed="rId2"/>
+          <a:stretch>
+            <a:fillRect/>
+          </a:stretch>
+        </p:blipFill>
+        <p:spPr>
+          <a:xfrm>
+            <a:off x="518474" y="772815"/>
+            <a:ext cx="11155052" cy="6085185"/>
+          </a:xfrm>
+          <a:prstGeom prst="rect">
+            <a:avLst/>
+          </a:prstGeom>
+        </p:spPr>
+      </p:pic>
+      <p:sp>
+        <p:nvSpPr>
+          <p:cNvPr id="5" name="TextBox 4">
+            <a:extLst>
+              <a:ext uri="{FF2B5EF4-FFF2-40B4-BE49-F238E27FC236}">
+                <a16:creationId xmlns:a16="http://schemas.microsoft.com/office/drawing/2014/main" id="{D80F14C8-E95C-ED41-9466-E9ADFAE93095}"/>
+              </a:ext>
+            </a:extLst>
+          </p:cNvPr>
+          <p:cNvSpPr txBox="1"/>
+          <p:nvPr/>
+        </p:nvSpPr>
+        <p:spPr>
+          <a:xfrm>
+            <a:off x="1168924" y="188536"/>
+            <a:ext cx="993605" cy="369332"/>
+          </a:xfrm>
+          <a:prstGeom prst="rect">
+            <a:avLst/>
+          </a:prstGeom>
+          <a:noFill/>
+        </p:spPr>
+        <p:txBody>
+          <a:bodyPr wrap="none" rtlCol="0">
+            <a:spAutoFit/>
+          </a:bodyPr>
+          <a:lstStyle/>
+          <a:p>
+            <a:r>
+              <a:rPr lang="en-US" dirty="0"/>
+              <a:t>category</a:t>
+            </a:r>
+          </a:p>
+        </p:txBody>
+      </p:sp>
+    </p:spTree>
+    <p:extLst>
+      <p:ext uri="{BB962C8B-B14F-4D97-AF65-F5344CB8AC3E}">
+        <p14:creationId xmlns:p14="http://schemas.microsoft.com/office/powerpoint/2010/main" val="2925779707"/>
+      </p:ext>
+    </p:extLst>
+  </p:cSld>
+  <p:clrMapOvr>
+    <a:masterClrMapping/>
+  </p:clrMapOvr>
+</p:sld>
+</file>
+
+<file path=ppt/slides/slide8.xml><?xml version="1.0" encoding="utf-8"?>
+<p:sld xmlns:a="http://schemas.openxmlformats.org/drawingml/2006/main" xmlns:r="http://schemas.openxmlformats.org/officeDocument/2006/relationships" xmlns:p="http://schemas.openxmlformats.org/presentationml/2006/main">
+  <p:cSld>
+    <p:spTree>
+      <p:nvGrpSpPr>
+        <p:cNvPr id="1" name=""/>
+        <p:cNvGrpSpPr/>
+        <p:nvPr/>
+      </p:nvGrpSpPr>
+      <p:grpSpPr>
+        <a:xfrm>
+          <a:off x="0" y="0"/>
+          <a:ext cx="0" cy="0"/>
+          <a:chOff x="0" y="0"/>
+          <a:chExt cx="0" cy="0"/>
+        </a:xfrm>
+      </p:grpSpPr>
+      <p:pic>
+        <p:nvPicPr>
+          <p:cNvPr id="4" name="Picture 3">
+            <a:extLst>
+              <a:ext uri="{FF2B5EF4-FFF2-40B4-BE49-F238E27FC236}">
+                <a16:creationId xmlns:a16="http://schemas.microsoft.com/office/drawing/2014/main" id="{3DBB7CA5-8070-1F49-ABE2-6F14B8E0FB7D}"/>
+              </a:ext>
+            </a:extLst>
+          </p:cNvPr>
+          <p:cNvPicPr>
+            <a:picLocks noChangeAspect="1"/>
+          </p:cNvPicPr>
+          <p:nvPr/>
+        </p:nvPicPr>
+        <p:blipFill>
+          <a:blip r:embed="rId2"/>
+          <a:stretch>
+            <a:fillRect/>
+          </a:stretch>
+        </p:blipFill>
+        <p:spPr>
+          <a:xfrm>
+            <a:off x="778235" y="996950"/>
+            <a:ext cx="9956800" cy="4864100"/>
+          </a:xfrm>
+          <a:prstGeom prst="rect">
+            <a:avLst/>
+          </a:prstGeom>
+        </p:spPr>
+      </p:pic>
+    </p:spTree>
+    <p:extLst>
+      <p:ext uri="{BB962C8B-B14F-4D97-AF65-F5344CB8AC3E}">
+        <p14:creationId xmlns:p14="http://schemas.microsoft.com/office/powerpoint/2010/main" val="3603358881"/>
+      </p:ext>
+    </p:extLst>
+  </p:cSld>
+  <p:clrMapOvr>
+    <a:masterClrMapping/>
+  </p:clrMapOvr>
+</p:sld>
+</file>
+
 <file path=ppt/theme/theme1.xml><?xml version="1.0" encoding="utf-8"?>
 <a:theme xmlns:a="http://schemas.openxmlformats.org/drawingml/2006/main" name="Office Theme">
   <a:themeElements>
